--- a/ppt 16-9/0892.让赞美飞扬.pptx
+++ b/ppt 16-9/0892.让赞美飞扬.pptx
@@ -129,7 +129,7 @@
           <p:cNvPr id="2" name="标题 1">
             <a:extLst>
               <a:ext uri="{FF2B5EF4-FFF2-40B4-BE49-F238E27FC236}">
-                <a16:creationId xmlns:a16="http://schemas.microsoft.com/office/drawing/2014/main" id="{07A8C4DD-E2FD-04CE-0BE1-80BCE45DC5AB}"/>
+                <a16:creationId xmlns:a16="http://schemas.microsoft.com/office/drawing/2014/main" id="{039D930F-B575-A566-2BB6-46A28E43F8D7}"/>
               </a:ext>
             </a:extLst>
           </p:cNvPr>
@@ -166,7 +166,7 @@
           <p:cNvPr id="3" name="副标题 2">
             <a:extLst>
               <a:ext uri="{FF2B5EF4-FFF2-40B4-BE49-F238E27FC236}">
-                <a16:creationId xmlns:a16="http://schemas.microsoft.com/office/drawing/2014/main" id="{36F19214-A5A4-CA37-29F5-BDA6E57E12AE}"/>
+                <a16:creationId xmlns:a16="http://schemas.microsoft.com/office/drawing/2014/main" id="{76F8DC62-8B82-3C6F-276E-A1CA4E29ABD0}"/>
               </a:ext>
             </a:extLst>
           </p:cNvPr>
@@ -236,7 +236,7 @@
           <p:cNvPr id="4" name="日期占位符 3">
             <a:extLst>
               <a:ext uri="{FF2B5EF4-FFF2-40B4-BE49-F238E27FC236}">
-                <a16:creationId xmlns:a16="http://schemas.microsoft.com/office/drawing/2014/main" id="{279DF9DF-4FCE-D3AA-A447-C40AB43F2360}"/>
+                <a16:creationId xmlns:a16="http://schemas.microsoft.com/office/drawing/2014/main" id="{50644DF4-BA1A-2074-AD61-5BD0BF9C4FB3}"/>
               </a:ext>
             </a:extLst>
           </p:cNvPr>
@@ -252,7 +252,7 @@
           <a:bodyPr/>
           <a:lstStyle/>
           <a:p>
-            <a:fld id="{02BFE9C5-73E5-4FB1-8C00-1C244DF6C89C}" type="datetimeFigureOut">
+            <a:fld id="{20197F21-C5C7-4292-A5F1-8EC23252B8C6}" type="datetimeFigureOut">
               <a:rPr lang="zh-CN" altLang="en-US" smtClean="0"/>
               <a:t>2024/3/10</a:t>
             </a:fld>
@@ -265,7 +265,7 @@
           <p:cNvPr id="5" name="页脚占位符 4">
             <a:extLst>
               <a:ext uri="{FF2B5EF4-FFF2-40B4-BE49-F238E27FC236}">
-                <a16:creationId xmlns:a16="http://schemas.microsoft.com/office/drawing/2014/main" id="{0DABBACE-834A-0CB8-A2CC-6BFFCBDF765E}"/>
+                <a16:creationId xmlns:a16="http://schemas.microsoft.com/office/drawing/2014/main" id="{5CBF1A94-D46F-4590-ACCB-F80A3A6FEE84}"/>
               </a:ext>
             </a:extLst>
           </p:cNvPr>
@@ -290,7 +290,7 @@
           <p:cNvPr id="6" name="灯片编号占位符 5">
             <a:extLst>
               <a:ext uri="{FF2B5EF4-FFF2-40B4-BE49-F238E27FC236}">
-                <a16:creationId xmlns:a16="http://schemas.microsoft.com/office/drawing/2014/main" id="{DDC12771-FD15-092E-EF8D-F10A122F3645}"/>
+                <a16:creationId xmlns:a16="http://schemas.microsoft.com/office/drawing/2014/main" id="{FFBEEA79-62C3-5F37-6896-3D26437E332F}"/>
               </a:ext>
             </a:extLst>
           </p:cNvPr>
@@ -306,7 +306,7 @@
           <a:bodyPr/>
           <a:lstStyle/>
           <a:p>
-            <a:fld id="{D05FA998-AF8B-4AC5-BFFF-12C8724EAD33}" type="slidenum">
+            <a:fld id="{E01F58F7-B911-4231-87C9-A65D02F55A21}" type="slidenum">
               <a:rPr lang="zh-CN" altLang="en-US" smtClean="0"/>
               <a:t>‹#›</a:t>
             </a:fld>
@@ -317,7 +317,7 @@
     </p:spTree>
     <p:extLst>
       <p:ext uri="{BB962C8B-B14F-4D97-AF65-F5344CB8AC3E}">
-        <p14:creationId xmlns:p14="http://schemas.microsoft.com/office/powerpoint/2010/main" val="2624825279"/>
+        <p14:creationId xmlns:p14="http://schemas.microsoft.com/office/powerpoint/2010/main" val="3207851464"/>
       </p:ext>
     </p:extLst>
   </p:cSld>
@@ -349,7 +349,7 @@
           <p:cNvPr id="2" name="标题 1">
             <a:extLst>
               <a:ext uri="{FF2B5EF4-FFF2-40B4-BE49-F238E27FC236}">
-                <a16:creationId xmlns:a16="http://schemas.microsoft.com/office/drawing/2014/main" id="{858954C1-ECFD-08B3-0A7E-9D3872D14DF5}"/>
+                <a16:creationId xmlns:a16="http://schemas.microsoft.com/office/drawing/2014/main" id="{C9D0AC41-954A-D865-7AB2-2AA53AF80E10}"/>
               </a:ext>
             </a:extLst>
           </p:cNvPr>
@@ -377,7 +377,7 @@
           <p:cNvPr id="3" name="竖排文字占位符 2">
             <a:extLst>
               <a:ext uri="{FF2B5EF4-FFF2-40B4-BE49-F238E27FC236}">
-                <a16:creationId xmlns:a16="http://schemas.microsoft.com/office/drawing/2014/main" id="{C1F2868F-3064-1795-2FF5-69680F43362D}"/>
+                <a16:creationId xmlns:a16="http://schemas.microsoft.com/office/drawing/2014/main" id="{40CFF22F-343E-871F-3659-D84C34806491}"/>
               </a:ext>
             </a:extLst>
           </p:cNvPr>
@@ -434,7 +434,7 @@
           <p:cNvPr id="4" name="日期占位符 3">
             <a:extLst>
               <a:ext uri="{FF2B5EF4-FFF2-40B4-BE49-F238E27FC236}">
-                <a16:creationId xmlns:a16="http://schemas.microsoft.com/office/drawing/2014/main" id="{178EFDE9-096A-C67F-B43F-91E5355A79AA}"/>
+                <a16:creationId xmlns:a16="http://schemas.microsoft.com/office/drawing/2014/main" id="{0F51C437-BCAF-36E0-D013-04D82DADD030}"/>
               </a:ext>
             </a:extLst>
           </p:cNvPr>
@@ -450,7 +450,7 @@
           <a:bodyPr/>
           <a:lstStyle/>
           <a:p>
-            <a:fld id="{02BFE9C5-73E5-4FB1-8C00-1C244DF6C89C}" type="datetimeFigureOut">
+            <a:fld id="{20197F21-C5C7-4292-A5F1-8EC23252B8C6}" type="datetimeFigureOut">
               <a:rPr lang="zh-CN" altLang="en-US" smtClean="0"/>
               <a:t>2024/3/10</a:t>
             </a:fld>
@@ -463,7 +463,7 @@
           <p:cNvPr id="5" name="页脚占位符 4">
             <a:extLst>
               <a:ext uri="{FF2B5EF4-FFF2-40B4-BE49-F238E27FC236}">
-                <a16:creationId xmlns:a16="http://schemas.microsoft.com/office/drawing/2014/main" id="{98273C83-327D-DB64-E68B-A8FD16F24B95}"/>
+                <a16:creationId xmlns:a16="http://schemas.microsoft.com/office/drawing/2014/main" id="{9458E8CB-2743-7A6A-079A-EC8880696B4A}"/>
               </a:ext>
             </a:extLst>
           </p:cNvPr>
@@ -488,7 +488,7 @@
           <p:cNvPr id="6" name="灯片编号占位符 5">
             <a:extLst>
               <a:ext uri="{FF2B5EF4-FFF2-40B4-BE49-F238E27FC236}">
-                <a16:creationId xmlns:a16="http://schemas.microsoft.com/office/drawing/2014/main" id="{F65DE447-A433-5210-E503-5D1ABD321B51}"/>
+                <a16:creationId xmlns:a16="http://schemas.microsoft.com/office/drawing/2014/main" id="{56ED808F-8E87-A9FC-AF58-D7CFF36AB409}"/>
               </a:ext>
             </a:extLst>
           </p:cNvPr>
@@ -504,7 +504,7 @@
           <a:bodyPr/>
           <a:lstStyle/>
           <a:p>
-            <a:fld id="{D05FA998-AF8B-4AC5-BFFF-12C8724EAD33}" type="slidenum">
+            <a:fld id="{E01F58F7-B911-4231-87C9-A65D02F55A21}" type="slidenum">
               <a:rPr lang="zh-CN" altLang="en-US" smtClean="0"/>
               <a:t>‹#›</a:t>
             </a:fld>
@@ -515,7 +515,7 @@
     </p:spTree>
     <p:extLst>
       <p:ext uri="{BB962C8B-B14F-4D97-AF65-F5344CB8AC3E}">
-        <p14:creationId xmlns:p14="http://schemas.microsoft.com/office/powerpoint/2010/main" val="1637750888"/>
+        <p14:creationId xmlns:p14="http://schemas.microsoft.com/office/powerpoint/2010/main" val="1788100343"/>
       </p:ext>
     </p:extLst>
   </p:cSld>
@@ -547,7 +547,7 @@
           <p:cNvPr id="2" name="竖排标题 1">
             <a:extLst>
               <a:ext uri="{FF2B5EF4-FFF2-40B4-BE49-F238E27FC236}">
-                <a16:creationId xmlns:a16="http://schemas.microsoft.com/office/drawing/2014/main" id="{43796A2A-2194-FD1E-A6EF-98497227E948}"/>
+                <a16:creationId xmlns:a16="http://schemas.microsoft.com/office/drawing/2014/main" id="{0D4CAFE3-B443-BFA7-36AA-C47B263F159C}"/>
               </a:ext>
             </a:extLst>
           </p:cNvPr>
@@ -580,7 +580,7 @@
           <p:cNvPr id="3" name="竖排文字占位符 2">
             <a:extLst>
               <a:ext uri="{FF2B5EF4-FFF2-40B4-BE49-F238E27FC236}">
-                <a16:creationId xmlns:a16="http://schemas.microsoft.com/office/drawing/2014/main" id="{D928783B-8CE2-C482-D638-0CE259B58D25}"/>
+                <a16:creationId xmlns:a16="http://schemas.microsoft.com/office/drawing/2014/main" id="{12E02AAB-C4FA-A0EB-84E9-6A8D84371FA8}"/>
               </a:ext>
             </a:extLst>
           </p:cNvPr>
@@ -642,7 +642,7 @@
           <p:cNvPr id="4" name="日期占位符 3">
             <a:extLst>
               <a:ext uri="{FF2B5EF4-FFF2-40B4-BE49-F238E27FC236}">
-                <a16:creationId xmlns:a16="http://schemas.microsoft.com/office/drawing/2014/main" id="{0EDE0EAC-EC5B-1C13-667D-66267A32C3F4}"/>
+                <a16:creationId xmlns:a16="http://schemas.microsoft.com/office/drawing/2014/main" id="{D602DD78-2BF5-13C2-BE87-382643D6B95B}"/>
               </a:ext>
             </a:extLst>
           </p:cNvPr>
@@ -658,7 +658,7 @@
           <a:bodyPr/>
           <a:lstStyle/>
           <a:p>
-            <a:fld id="{02BFE9C5-73E5-4FB1-8C00-1C244DF6C89C}" type="datetimeFigureOut">
+            <a:fld id="{20197F21-C5C7-4292-A5F1-8EC23252B8C6}" type="datetimeFigureOut">
               <a:rPr lang="zh-CN" altLang="en-US" smtClean="0"/>
               <a:t>2024/3/10</a:t>
             </a:fld>
@@ -671,7 +671,7 @@
           <p:cNvPr id="5" name="页脚占位符 4">
             <a:extLst>
               <a:ext uri="{FF2B5EF4-FFF2-40B4-BE49-F238E27FC236}">
-                <a16:creationId xmlns:a16="http://schemas.microsoft.com/office/drawing/2014/main" id="{EEB6CD16-8AF5-8504-94A3-233E83D8B4E0}"/>
+                <a16:creationId xmlns:a16="http://schemas.microsoft.com/office/drawing/2014/main" id="{D927CB48-B980-FF8A-43D9-B587F68AC84C}"/>
               </a:ext>
             </a:extLst>
           </p:cNvPr>
@@ -696,7 +696,7 @@
           <p:cNvPr id="6" name="灯片编号占位符 5">
             <a:extLst>
               <a:ext uri="{FF2B5EF4-FFF2-40B4-BE49-F238E27FC236}">
-                <a16:creationId xmlns:a16="http://schemas.microsoft.com/office/drawing/2014/main" id="{03D2B3F3-31DE-2453-2564-AED329F7F268}"/>
+                <a16:creationId xmlns:a16="http://schemas.microsoft.com/office/drawing/2014/main" id="{D13288ED-5596-922C-5BE7-54121046E0DE}"/>
               </a:ext>
             </a:extLst>
           </p:cNvPr>
@@ -712,7 +712,7 @@
           <a:bodyPr/>
           <a:lstStyle/>
           <a:p>
-            <a:fld id="{D05FA998-AF8B-4AC5-BFFF-12C8724EAD33}" type="slidenum">
+            <a:fld id="{E01F58F7-B911-4231-87C9-A65D02F55A21}" type="slidenum">
               <a:rPr lang="zh-CN" altLang="en-US" smtClean="0"/>
               <a:t>‹#›</a:t>
             </a:fld>
@@ -723,7 +723,7 @@
     </p:spTree>
     <p:extLst>
       <p:ext uri="{BB962C8B-B14F-4D97-AF65-F5344CB8AC3E}">
-        <p14:creationId xmlns:p14="http://schemas.microsoft.com/office/powerpoint/2010/main" val="3088507478"/>
+        <p14:creationId xmlns:p14="http://schemas.microsoft.com/office/powerpoint/2010/main" val="1957761442"/>
       </p:ext>
     </p:extLst>
   </p:cSld>
@@ -755,7 +755,7 @@
           <p:cNvPr id="2" name="标题 1">
             <a:extLst>
               <a:ext uri="{FF2B5EF4-FFF2-40B4-BE49-F238E27FC236}">
-                <a16:creationId xmlns:a16="http://schemas.microsoft.com/office/drawing/2014/main" id="{14958F11-909C-6B03-5BE5-2BA8D56557F0}"/>
+                <a16:creationId xmlns:a16="http://schemas.microsoft.com/office/drawing/2014/main" id="{1E4E2AD4-16DF-BBBC-0B34-7DA968E8623A}"/>
               </a:ext>
             </a:extLst>
           </p:cNvPr>
@@ -783,7 +783,7 @@
           <p:cNvPr id="3" name="内容占位符 2">
             <a:extLst>
               <a:ext uri="{FF2B5EF4-FFF2-40B4-BE49-F238E27FC236}">
-                <a16:creationId xmlns:a16="http://schemas.microsoft.com/office/drawing/2014/main" id="{BC1EC34A-997F-63D9-D28A-001D9828F876}"/>
+                <a16:creationId xmlns:a16="http://schemas.microsoft.com/office/drawing/2014/main" id="{5DCCBD77-3B40-C9A7-E3A5-1FFF1EB31A94}"/>
               </a:ext>
             </a:extLst>
           </p:cNvPr>
@@ -840,7 +840,7 @@
           <p:cNvPr id="4" name="日期占位符 3">
             <a:extLst>
               <a:ext uri="{FF2B5EF4-FFF2-40B4-BE49-F238E27FC236}">
-                <a16:creationId xmlns:a16="http://schemas.microsoft.com/office/drawing/2014/main" id="{8EB42D47-F85F-8B74-E8C3-9659ED91EEE2}"/>
+                <a16:creationId xmlns:a16="http://schemas.microsoft.com/office/drawing/2014/main" id="{3231AF22-6E40-595F-257D-FABC03A77A83}"/>
               </a:ext>
             </a:extLst>
           </p:cNvPr>
@@ -856,7 +856,7 @@
           <a:bodyPr/>
           <a:lstStyle/>
           <a:p>
-            <a:fld id="{02BFE9C5-73E5-4FB1-8C00-1C244DF6C89C}" type="datetimeFigureOut">
+            <a:fld id="{20197F21-C5C7-4292-A5F1-8EC23252B8C6}" type="datetimeFigureOut">
               <a:rPr lang="zh-CN" altLang="en-US" smtClean="0"/>
               <a:t>2024/3/10</a:t>
             </a:fld>
@@ -869,7 +869,7 @@
           <p:cNvPr id="5" name="页脚占位符 4">
             <a:extLst>
               <a:ext uri="{FF2B5EF4-FFF2-40B4-BE49-F238E27FC236}">
-                <a16:creationId xmlns:a16="http://schemas.microsoft.com/office/drawing/2014/main" id="{E89B674B-C0BC-CCBD-F264-9B9EE155D7D0}"/>
+                <a16:creationId xmlns:a16="http://schemas.microsoft.com/office/drawing/2014/main" id="{1625CFD5-F116-F037-DF5B-8310EF070E86}"/>
               </a:ext>
             </a:extLst>
           </p:cNvPr>
@@ -894,7 +894,7 @@
           <p:cNvPr id="6" name="灯片编号占位符 5">
             <a:extLst>
               <a:ext uri="{FF2B5EF4-FFF2-40B4-BE49-F238E27FC236}">
-                <a16:creationId xmlns:a16="http://schemas.microsoft.com/office/drawing/2014/main" id="{610CA6F3-8983-8E2A-60CD-E3E719FCBFD0}"/>
+                <a16:creationId xmlns:a16="http://schemas.microsoft.com/office/drawing/2014/main" id="{C5EB8D6D-558B-CE87-54A4-29E060C1E1D4}"/>
               </a:ext>
             </a:extLst>
           </p:cNvPr>
@@ -910,7 +910,7 @@
           <a:bodyPr/>
           <a:lstStyle/>
           <a:p>
-            <a:fld id="{D05FA998-AF8B-4AC5-BFFF-12C8724EAD33}" type="slidenum">
+            <a:fld id="{E01F58F7-B911-4231-87C9-A65D02F55A21}" type="slidenum">
               <a:rPr lang="zh-CN" altLang="en-US" smtClean="0"/>
               <a:t>‹#›</a:t>
             </a:fld>
@@ -921,7 +921,7 @@
     </p:spTree>
     <p:extLst>
       <p:ext uri="{BB962C8B-B14F-4D97-AF65-F5344CB8AC3E}">
-        <p14:creationId xmlns:p14="http://schemas.microsoft.com/office/powerpoint/2010/main" val="1098503037"/>
+        <p14:creationId xmlns:p14="http://schemas.microsoft.com/office/powerpoint/2010/main" val="426198985"/>
       </p:ext>
     </p:extLst>
   </p:cSld>
@@ -953,7 +953,7 @@
           <p:cNvPr id="2" name="标题 1">
             <a:extLst>
               <a:ext uri="{FF2B5EF4-FFF2-40B4-BE49-F238E27FC236}">
-                <a16:creationId xmlns:a16="http://schemas.microsoft.com/office/drawing/2014/main" id="{A0FAF4D6-603B-14E2-4BED-AE2426A29434}"/>
+                <a16:creationId xmlns:a16="http://schemas.microsoft.com/office/drawing/2014/main" id="{22F3ED12-5131-273F-6031-78C28FBBF328}"/>
               </a:ext>
             </a:extLst>
           </p:cNvPr>
@@ -990,7 +990,7 @@
           <p:cNvPr id="3" name="文本占位符 2">
             <a:extLst>
               <a:ext uri="{FF2B5EF4-FFF2-40B4-BE49-F238E27FC236}">
-                <a16:creationId xmlns:a16="http://schemas.microsoft.com/office/drawing/2014/main" id="{81C58EAD-4316-3CA2-B7B1-33CF1EF655DF}"/>
+                <a16:creationId xmlns:a16="http://schemas.microsoft.com/office/drawing/2014/main" id="{90E3EEF6-A198-A3A2-767C-E814885FF6A7}"/>
               </a:ext>
             </a:extLst>
           </p:cNvPr>
@@ -1115,7 +1115,7 @@
           <p:cNvPr id="4" name="日期占位符 3">
             <a:extLst>
               <a:ext uri="{FF2B5EF4-FFF2-40B4-BE49-F238E27FC236}">
-                <a16:creationId xmlns:a16="http://schemas.microsoft.com/office/drawing/2014/main" id="{55DDAD7E-6443-7B58-427C-3461B8B91770}"/>
+                <a16:creationId xmlns:a16="http://schemas.microsoft.com/office/drawing/2014/main" id="{E643417C-6B60-E2A7-CFD9-C7A6F7CD494E}"/>
               </a:ext>
             </a:extLst>
           </p:cNvPr>
@@ -1131,7 +1131,7 @@
           <a:bodyPr/>
           <a:lstStyle/>
           <a:p>
-            <a:fld id="{02BFE9C5-73E5-4FB1-8C00-1C244DF6C89C}" type="datetimeFigureOut">
+            <a:fld id="{20197F21-C5C7-4292-A5F1-8EC23252B8C6}" type="datetimeFigureOut">
               <a:rPr lang="zh-CN" altLang="en-US" smtClean="0"/>
               <a:t>2024/3/10</a:t>
             </a:fld>
@@ -1144,7 +1144,7 @@
           <p:cNvPr id="5" name="页脚占位符 4">
             <a:extLst>
               <a:ext uri="{FF2B5EF4-FFF2-40B4-BE49-F238E27FC236}">
-                <a16:creationId xmlns:a16="http://schemas.microsoft.com/office/drawing/2014/main" id="{C5D923C6-3293-3D83-A56A-1F4A906D2A2F}"/>
+                <a16:creationId xmlns:a16="http://schemas.microsoft.com/office/drawing/2014/main" id="{CE6A0650-890A-AA3C-0EE4-E13F6B4AAD05}"/>
               </a:ext>
             </a:extLst>
           </p:cNvPr>
@@ -1169,7 +1169,7 @@
           <p:cNvPr id="6" name="灯片编号占位符 5">
             <a:extLst>
               <a:ext uri="{FF2B5EF4-FFF2-40B4-BE49-F238E27FC236}">
-                <a16:creationId xmlns:a16="http://schemas.microsoft.com/office/drawing/2014/main" id="{CFC9AAB6-761D-4CA9-5E80-62F9C2A0FA75}"/>
+                <a16:creationId xmlns:a16="http://schemas.microsoft.com/office/drawing/2014/main" id="{C783090F-AA6D-DB8B-1FE7-A74AAB37032D}"/>
               </a:ext>
             </a:extLst>
           </p:cNvPr>
@@ -1185,7 +1185,7 @@
           <a:bodyPr/>
           <a:lstStyle/>
           <a:p>
-            <a:fld id="{D05FA998-AF8B-4AC5-BFFF-12C8724EAD33}" type="slidenum">
+            <a:fld id="{E01F58F7-B911-4231-87C9-A65D02F55A21}" type="slidenum">
               <a:rPr lang="zh-CN" altLang="en-US" smtClean="0"/>
               <a:t>‹#›</a:t>
             </a:fld>
@@ -1196,7 +1196,7 @@
     </p:spTree>
     <p:extLst>
       <p:ext uri="{BB962C8B-B14F-4D97-AF65-F5344CB8AC3E}">
-        <p14:creationId xmlns:p14="http://schemas.microsoft.com/office/powerpoint/2010/main" val="3238342679"/>
+        <p14:creationId xmlns:p14="http://schemas.microsoft.com/office/powerpoint/2010/main" val="2561736111"/>
       </p:ext>
     </p:extLst>
   </p:cSld>
@@ -1228,7 +1228,7 @@
           <p:cNvPr id="2" name="标题 1">
             <a:extLst>
               <a:ext uri="{FF2B5EF4-FFF2-40B4-BE49-F238E27FC236}">
-                <a16:creationId xmlns:a16="http://schemas.microsoft.com/office/drawing/2014/main" id="{E5DB8A60-CAE1-826B-A408-480C662AB5F8}"/>
+                <a16:creationId xmlns:a16="http://schemas.microsoft.com/office/drawing/2014/main" id="{95A4D81E-DE08-D274-9BE7-76D3F78C414A}"/>
               </a:ext>
             </a:extLst>
           </p:cNvPr>
@@ -1256,7 +1256,7 @@
           <p:cNvPr id="3" name="内容占位符 2">
             <a:extLst>
               <a:ext uri="{FF2B5EF4-FFF2-40B4-BE49-F238E27FC236}">
-                <a16:creationId xmlns:a16="http://schemas.microsoft.com/office/drawing/2014/main" id="{97F4239C-FF8B-F9FC-A4D9-41B0F9643748}"/>
+                <a16:creationId xmlns:a16="http://schemas.microsoft.com/office/drawing/2014/main" id="{94258D72-9026-7BD4-7552-9790E5C8896E}"/>
               </a:ext>
             </a:extLst>
           </p:cNvPr>
@@ -1318,7 +1318,7 @@
           <p:cNvPr id="4" name="内容占位符 3">
             <a:extLst>
               <a:ext uri="{FF2B5EF4-FFF2-40B4-BE49-F238E27FC236}">
-                <a16:creationId xmlns:a16="http://schemas.microsoft.com/office/drawing/2014/main" id="{B6371E45-078E-7BE9-7CBA-A10965C395B3}"/>
+                <a16:creationId xmlns:a16="http://schemas.microsoft.com/office/drawing/2014/main" id="{964E0F22-B3CD-963B-A2F1-C9B5B2633520}"/>
               </a:ext>
             </a:extLst>
           </p:cNvPr>
@@ -1380,7 +1380,7 @@
           <p:cNvPr id="5" name="日期占位符 4">
             <a:extLst>
               <a:ext uri="{FF2B5EF4-FFF2-40B4-BE49-F238E27FC236}">
-                <a16:creationId xmlns:a16="http://schemas.microsoft.com/office/drawing/2014/main" id="{8BC37A9F-027A-028E-5DA6-A7CC217FA404}"/>
+                <a16:creationId xmlns:a16="http://schemas.microsoft.com/office/drawing/2014/main" id="{B8F29341-77F3-C617-E926-105CD6398875}"/>
               </a:ext>
             </a:extLst>
           </p:cNvPr>
@@ -1396,7 +1396,7 @@
           <a:bodyPr/>
           <a:lstStyle/>
           <a:p>
-            <a:fld id="{02BFE9C5-73E5-4FB1-8C00-1C244DF6C89C}" type="datetimeFigureOut">
+            <a:fld id="{20197F21-C5C7-4292-A5F1-8EC23252B8C6}" type="datetimeFigureOut">
               <a:rPr lang="zh-CN" altLang="en-US" smtClean="0"/>
               <a:t>2024/3/10</a:t>
             </a:fld>
@@ -1409,7 +1409,7 @@
           <p:cNvPr id="6" name="页脚占位符 5">
             <a:extLst>
               <a:ext uri="{FF2B5EF4-FFF2-40B4-BE49-F238E27FC236}">
-                <a16:creationId xmlns:a16="http://schemas.microsoft.com/office/drawing/2014/main" id="{9FD22262-D8BD-E05E-295B-6810844F1932}"/>
+                <a16:creationId xmlns:a16="http://schemas.microsoft.com/office/drawing/2014/main" id="{CD56C6F1-199E-0142-50E0-A18DC256EA97}"/>
               </a:ext>
             </a:extLst>
           </p:cNvPr>
@@ -1434,7 +1434,7 @@
           <p:cNvPr id="7" name="灯片编号占位符 6">
             <a:extLst>
               <a:ext uri="{FF2B5EF4-FFF2-40B4-BE49-F238E27FC236}">
-                <a16:creationId xmlns:a16="http://schemas.microsoft.com/office/drawing/2014/main" id="{EAE6D5C2-4324-5A7B-44AE-233C45A49861}"/>
+                <a16:creationId xmlns:a16="http://schemas.microsoft.com/office/drawing/2014/main" id="{1FFD104E-BD85-4A55-CC03-91FC0C335F34}"/>
               </a:ext>
             </a:extLst>
           </p:cNvPr>
@@ -1450,7 +1450,7 @@
           <a:bodyPr/>
           <a:lstStyle/>
           <a:p>
-            <a:fld id="{D05FA998-AF8B-4AC5-BFFF-12C8724EAD33}" type="slidenum">
+            <a:fld id="{E01F58F7-B911-4231-87C9-A65D02F55A21}" type="slidenum">
               <a:rPr lang="zh-CN" altLang="en-US" smtClean="0"/>
               <a:t>‹#›</a:t>
             </a:fld>
@@ -1461,7 +1461,7 @@
     </p:spTree>
     <p:extLst>
       <p:ext uri="{BB962C8B-B14F-4D97-AF65-F5344CB8AC3E}">
-        <p14:creationId xmlns:p14="http://schemas.microsoft.com/office/powerpoint/2010/main" val="2389839591"/>
+        <p14:creationId xmlns:p14="http://schemas.microsoft.com/office/powerpoint/2010/main" val="1606367327"/>
       </p:ext>
     </p:extLst>
   </p:cSld>
@@ -1493,7 +1493,7 @@
           <p:cNvPr id="2" name="标题 1">
             <a:extLst>
               <a:ext uri="{FF2B5EF4-FFF2-40B4-BE49-F238E27FC236}">
-                <a16:creationId xmlns:a16="http://schemas.microsoft.com/office/drawing/2014/main" id="{B5719DDF-0A9E-E5E9-BB3B-37085851FB77}"/>
+                <a16:creationId xmlns:a16="http://schemas.microsoft.com/office/drawing/2014/main" id="{0DB617AD-CE4E-B13D-C1B2-86D347895DE4}"/>
               </a:ext>
             </a:extLst>
           </p:cNvPr>
@@ -1526,7 +1526,7 @@
           <p:cNvPr id="3" name="文本占位符 2">
             <a:extLst>
               <a:ext uri="{FF2B5EF4-FFF2-40B4-BE49-F238E27FC236}">
-                <a16:creationId xmlns:a16="http://schemas.microsoft.com/office/drawing/2014/main" id="{9BF3E852-5830-EF8D-EEB1-CA3A000B1D4A}"/>
+                <a16:creationId xmlns:a16="http://schemas.microsoft.com/office/drawing/2014/main" id="{49E57B51-CF96-8FCA-C958-B554543D244D}"/>
               </a:ext>
             </a:extLst>
           </p:cNvPr>
@@ -1597,7 +1597,7 @@
           <p:cNvPr id="4" name="内容占位符 3">
             <a:extLst>
               <a:ext uri="{FF2B5EF4-FFF2-40B4-BE49-F238E27FC236}">
-                <a16:creationId xmlns:a16="http://schemas.microsoft.com/office/drawing/2014/main" id="{43560653-3075-2B30-3FB6-4A8822D3F838}"/>
+                <a16:creationId xmlns:a16="http://schemas.microsoft.com/office/drawing/2014/main" id="{0E1BCBC6-84D2-096B-0DA9-109966F02409}"/>
               </a:ext>
             </a:extLst>
           </p:cNvPr>
@@ -1659,7 +1659,7 @@
           <p:cNvPr id="5" name="文本占位符 4">
             <a:extLst>
               <a:ext uri="{FF2B5EF4-FFF2-40B4-BE49-F238E27FC236}">
-                <a16:creationId xmlns:a16="http://schemas.microsoft.com/office/drawing/2014/main" id="{B1593F78-AFC7-233D-762E-8DE76A12477F}"/>
+                <a16:creationId xmlns:a16="http://schemas.microsoft.com/office/drawing/2014/main" id="{A9461B3F-D9A4-4B3B-FF97-8251D03A7A89}"/>
               </a:ext>
             </a:extLst>
           </p:cNvPr>
@@ -1730,7 +1730,7 @@
           <p:cNvPr id="6" name="内容占位符 5">
             <a:extLst>
               <a:ext uri="{FF2B5EF4-FFF2-40B4-BE49-F238E27FC236}">
-                <a16:creationId xmlns:a16="http://schemas.microsoft.com/office/drawing/2014/main" id="{45BCF786-1208-56DC-A146-275C566270A8}"/>
+                <a16:creationId xmlns:a16="http://schemas.microsoft.com/office/drawing/2014/main" id="{0D166FA4-BF1F-513C-8BCE-477455C03558}"/>
               </a:ext>
             </a:extLst>
           </p:cNvPr>
@@ -1792,7 +1792,7 @@
           <p:cNvPr id="7" name="日期占位符 6">
             <a:extLst>
               <a:ext uri="{FF2B5EF4-FFF2-40B4-BE49-F238E27FC236}">
-                <a16:creationId xmlns:a16="http://schemas.microsoft.com/office/drawing/2014/main" id="{97B901E8-D3BD-8AA2-2BE3-4086D2A1C465}"/>
+                <a16:creationId xmlns:a16="http://schemas.microsoft.com/office/drawing/2014/main" id="{63A56C51-D403-3F46-478C-7C505AAD6A11}"/>
               </a:ext>
             </a:extLst>
           </p:cNvPr>
@@ -1808,7 +1808,7 @@
           <a:bodyPr/>
           <a:lstStyle/>
           <a:p>
-            <a:fld id="{02BFE9C5-73E5-4FB1-8C00-1C244DF6C89C}" type="datetimeFigureOut">
+            <a:fld id="{20197F21-C5C7-4292-A5F1-8EC23252B8C6}" type="datetimeFigureOut">
               <a:rPr lang="zh-CN" altLang="en-US" smtClean="0"/>
               <a:t>2024/3/10</a:t>
             </a:fld>
@@ -1821,7 +1821,7 @@
           <p:cNvPr id="8" name="页脚占位符 7">
             <a:extLst>
               <a:ext uri="{FF2B5EF4-FFF2-40B4-BE49-F238E27FC236}">
-                <a16:creationId xmlns:a16="http://schemas.microsoft.com/office/drawing/2014/main" id="{FAA284AF-6F10-8EFE-E77D-2ABC6EC780A2}"/>
+                <a16:creationId xmlns:a16="http://schemas.microsoft.com/office/drawing/2014/main" id="{2E72F298-16D7-7E1C-9158-CD19EB61A441}"/>
               </a:ext>
             </a:extLst>
           </p:cNvPr>
@@ -1846,7 +1846,7 @@
           <p:cNvPr id="9" name="灯片编号占位符 8">
             <a:extLst>
               <a:ext uri="{FF2B5EF4-FFF2-40B4-BE49-F238E27FC236}">
-                <a16:creationId xmlns:a16="http://schemas.microsoft.com/office/drawing/2014/main" id="{1D1668F1-62E6-84C8-64F4-4DE4F242C6FB}"/>
+                <a16:creationId xmlns:a16="http://schemas.microsoft.com/office/drawing/2014/main" id="{18025F5F-F37A-B535-C335-DEE02D6CD0B9}"/>
               </a:ext>
             </a:extLst>
           </p:cNvPr>
@@ -1862,7 +1862,7 @@
           <a:bodyPr/>
           <a:lstStyle/>
           <a:p>
-            <a:fld id="{D05FA998-AF8B-4AC5-BFFF-12C8724EAD33}" type="slidenum">
+            <a:fld id="{E01F58F7-B911-4231-87C9-A65D02F55A21}" type="slidenum">
               <a:rPr lang="zh-CN" altLang="en-US" smtClean="0"/>
               <a:t>‹#›</a:t>
             </a:fld>
@@ -1873,7 +1873,7 @@
     </p:spTree>
     <p:extLst>
       <p:ext uri="{BB962C8B-B14F-4D97-AF65-F5344CB8AC3E}">
-        <p14:creationId xmlns:p14="http://schemas.microsoft.com/office/powerpoint/2010/main" val="2116117917"/>
+        <p14:creationId xmlns:p14="http://schemas.microsoft.com/office/powerpoint/2010/main" val="3849931563"/>
       </p:ext>
     </p:extLst>
   </p:cSld>
@@ -1905,7 +1905,7 @@
           <p:cNvPr id="2" name="标题 1">
             <a:extLst>
               <a:ext uri="{FF2B5EF4-FFF2-40B4-BE49-F238E27FC236}">
-                <a16:creationId xmlns:a16="http://schemas.microsoft.com/office/drawing/2014/main" id="{D9BFBF96-9775-1C2F-0ABE-BC99D2076602}"/>
+                <a16:creationId xmlns:a16="http://schemas.microsoft.com/office/drawing/2014/main" id="{7E336374-62B5-19FC-2CB0-FC91D280776C}"/>
               </a:ext>
             </a:extLst>
           </p:cNvPr>
@@ -1933,7 +1933,7 @@
           <p:cNvPr id="3" name="日期占位符 2">
             <a:extLst>
               <a:ext uri="{FF2B5EF4-FFF2-40B4-BE49-F238E27FC236}">
-                <a16:creationId xmlns:a16="http://schemas.microsoft.com/office/drawing/2014/main" id="{AD1CB59F-0422-CA00-C392-430BF203A36A}"/>
+                <a16:creationId xmlns:a16="http://schemas.microsoft.com/office/drawing/2014/main" id="{C094E614-2936-1618-DF41-8BECCAE7B15E}"/>
               </a:ext>
             </a:extLst>
           </p:cNvPr>
@@ -1949,7 +1949,7 @@
           <a:bodyPr/>
           <a:lstStyle/>
           <a:p>
-            <a:fld id="{02BFE9C5-73E5-4FB1-8C00-1C244DF6C89C}" type="datetimeFigureOut">
+            <a:fld id="{20197F21-C5C7-4292-A5F1-8EC23252B8C6}" type="datetimeFigureOut">
               <a:rPr lang="zh-CN" altLang="en-US" smtClean="0"/>
               <a:t>2024/3/10</a:t>
             </a:fld>
@@ -1962,7 +1962,7 @@
           <p:cNvPr id="4" name="页脚占位符 3">
             <a:extLst>
               <a:ext uri="{FF2B5EF4-FFF2-40B4-BE49-F238E27FC236}">
-                <a16:creationId xmlns:a16="http://schemas.microsoft.com/office/drawing/2014/main" id="{39774CF7-16C2-4E4E-20EB-B57707F8B423}"/>
+                <a16:creationId xmlns:a16="http://schemas.microsoft.com/office/drawing/2014/main" id="{EC0F6BA4-C6AF-0593-8A78-DAA778CFC5FE}"/>
               </a:ext>
             </a:extLst>
           </p:cNvPr>
@@ -1987,7 +1987,7 @@
           <p:cNvPr id="5" name="灯片编号占位符 4">
             <a:extLst>
               <a:ext uri="{FF2B5EF4-FFF2-40B4-BE49-F238E27FC236}">
-                <a16:creationId xmlns:a16="http://schemas.microsoft.com/office/drawing/2014/main" id="{12C1EFA8-ED68-7BAB-FB55-72CD291D324C}"/>
+                <a16:creationId xmlns:a16="http://schemas.microsoft.com/office/drawing/2014/main" id="{0E1A3177-1EB8-BE57-707B-AE5A9C9ACAFD}"/>
               </a:ext>
             </a:extLst>
           </p:cNvPr>
@@ -2003,7 +2003,7 @@
           <a:bodyPr/>
           <a:lstStyle/>
           <a:p>
-            <a:fld id="{D05FA998-AF8B-4AC5-BFFF-12C8724EAD33}" type="slidenum">
+            <a:fld id="{E01F58F7-B911-4231-87C9-A65D02F55A21}" type="slidenum">
               <a:rPr lang="zh-CN" altLang="en-US" smtClean="0"/>
               <a:t>‹#›</a:t>
             </a:fld>
@@ -2014,7 +2014,7 @@
     </p:spTree>
     <p:extLst>
       <p:ext uri="{BB962C8B-B14F-4D97-AF65-F5344CB8AC3E}">
-        <p14:creationId xmlns:p14="http://schemas.microsoft.com/office/powerpoint/2010/main" val="724355278"/>
+        <p14:creationId xmlns:p14="http://schemas.microsoft.com/office/powerpoint/2010/main" val="4009977933"/>
       </p:ext>
     </p:extLst>
   </p:cSld>
@@ -2046,7 +2046,7 @@
           <p:cNvPr id="2" name="日期占位符 1">
             <a:extLst>
               <a:ext uri="{FF2B5EF4-FFF2-40B4-BE49-F238E27FC236}">
-                <a16:creationId xmlns:a16="http://schemas.microsoft.com/office/drawing/2014/main" id="{9024C197-AF84-4845-3B28-11E34866B339}"/>
+                <a16:creationId xmlns:a16="http://schemas.microsoft.com/office/drawing/2014/main" id="{6C8BC635-0A7A-DE21-568B-F96034936FBB}"/>
               </a:ext>
             </a:extLst>
           </p:cNvPr>
@@ -2062,7 +2062,7 @@
           <a:bodyPr/>
           <a:lstStyle/>
           <a:p>
-            <a:fld id="{02BFE9C5-73E5-4FB1-8C00-1C244DF6C89C}" type="datetimeFigureOut">
+            <a:fld id="{20197F21-C5C7-4292-A5F1-8EC23252B8C6}" type="datetimeFigureOut">
               <a:rPr lang="zh-CN" altLang="en-US" smtClean="0"/>
               <a:t>2024/3/10</a:t>
             </a:fld>
@@ -2075,7 +2075,7 @@
           <p:cNvPr id="3" name="页脚占位符 2">
             <a:extLst>
               <a:ext uri="{FF2B5EF4-FFF2-40B4-BE49-F238E27FC236}">
-                <a16:creationId xmlns:a16="http://schemas.microsoft.com/office/drawing/2014/main" id="{E725849F-DC9B-2E08-125E-D292A9B052B0}"/>
+                <a16:creationId xmlns:a16="http://schemas.microsoft.com/office/drawing/2014/main" id="{540B411B-EC07-2292-5155-A920335D4C25}"/>
               </a:ext>
             </a:extLst>
           </p:cNvPr>
@@ -2100,7 +2100,7 @@
           <p:cNvPr id="4" name="灯片编号占位符 3">
             <a:extLst>
               <a:ext uri="{FF2B5EF4-FFF2-40B4-BE49-F238E27FC236}">
-                <a16:creationId xmlns:a16="http://schemas.microsoft.com/office/drawing/2014/main" id="{369538C6-9D47-6494-3D75-1C5A475DCD1C}"/>
+                <a16:creationId xmlns:a16="http://schemas.microsoft.com/office/drawing/2014/main" id="{0B5E3BFD-910A-AEA8-10C3-023DD2D740B2}"/>
               </a:ext>
             </a:extLst>
           </p:cNvPr>
@@ -2116,7 +2116,7 @@
           <a:bodyPr/>
           <a:lstStyle/>
           <a:p>
-            <a:fld id="{D05FA998-AF8B-4AC5-BFFF-12C8724EAD33}" type="slidenum">
+            <a:fld id="{E01F58F7-B911-4231-87C9-A65D02F55A21}" type="slidenum">
               <a:rPr lang="zh-CN" altLang="en-US" smtClean="0"/>
               <a:t>‹#›</a:t>
             </a:fld>
@@ -2127,7 +2127,7 @@
     </p:spTree>
     <p:extLst>
       <p:ext uri="{BB962C8B-B14F-4D97-AF65-F5344CB8AC3E}">
-        <p14:creationId xmlns:p14="http://schemas.microsoft.com/office/powerpoint/2010/main" val="3113924348"/>
+        <p14:creationId xmlns:p14="http://schemas.microsoft.com/office/powerpoint/2010/main" val="2315877049"/>
       </p:ext>
     </p:extLst>
   </p:cSld>
@@ -2159,7 +2159,7 @@
           <p:cNvPr id="2" name="标题 1">
             <a:extLst>
               <a:ext uri="{FF2B5EF4-FFF2-40B4-BE49-F238E27FC236}">
-                <a16:creationId xmlns:a16="http://schemas.microsoft.com/office/drawing/2014/main" id="{AB7AE147-4569-F53F-F8F9-15BBBE46B7F8}"/>
+                <a16:creationId xmlns:a16="http://schemas.microsoft.com/office/drawing/2014/main" id="{5088B1B3-F0F0-659B-6370-BFFD39BC911A}"/>
               </a:ext>
             </a:extLst>
           </p:cNvPr>
@@ -2196,7 +2196,7 @@
           <p:cNvPr id="3" name="内容占位符 2">
             <a:extLst>
               <a:ext uri="{FF2B5EF4-FFF2-40B4-BE49-F238E27FC236}">
-                <a16:creationId xmlns:a16="http://schemas.microsoft.com/office/drawing/2014/main" id="{11C77CAB-AB62-27F7-30F5-330C471CBFC6}"/>
+                <a16:creationId xmlns:a16="http://schemas.microsoft.com/office/drawing/2014/main" id="{4A39C32F-498A-A2B2-F013-C32F0295E77F}"/>
               </a:ext>
             </a:extLst>
           </p:cNvPr>
@@ -2286,7 +2286,7 @@
           <p:cNvPr id="4" name="文本占位符 3">
             <a:extLst>
               <a:ext uri="{FF2B5EF4-FFF2-40B4-BE49-F238E27FC236}">
-                <a16:creationId xmlns:a16="http://schemas.microsoft.com/office/drawing/2014/main" id="{42B86370-E685-7450-431A-F5E4138A22A4}"/>
+                <a16:creationId xmlns:a16="http://schemas.microsoft.com/office/drawing/2014/main" id="{3E6CD936-BAA0-8E45-9C3E-7DC3DBAA058E}"/>
               </a:ext>
             </a:extLst>
           </p:cNvPr>
@@ -2357,7 +2357,7 @@
           <p:cNvPr id="5" name="日期占位符 4">
             <a:extLst>
               <a:ext uri="{FF2B5EF4-FFF2-40B4-BE49-F238E27FC236}">
-                <a16:creationId xmlns:a16="http://schemas.microsoft.com/office/drawing/2014/main" id="{7F94FC60-A01B-41FD-72AB-B3A0E55DD38A}"/>
+                <a16:creationId xmlns:a16="http://schemas.microsoft.com/office/drawing/2014/main" id="{2E68BD28-82E4-122C-C719-AEE82B649077}"/>
               </a:ext>
             </a:extLst>
           </p:cNvPr>
@@ -2373,7 +2373,7 @@
           <a:bodyPr/>
           <a:lstStyle/>
           <a:p>
-            <a:fld id="{02BFE9C5-73E5-4FB1-8C00-1C244DF6C89C}" type="datetimeFigureOut">
+            <a:fld id="{20197F21-C5C7-4292-A5F1-8EC23252B8C6}" type="datetimeFigureOut">
               <a:rPr lang="zh-CN" altLang="en-US" smtClean="0"/>
               <a:t>2024/3/10</a:t>
             </a:fld>
@@ -2386,7 +2386,7 @@
           <p:cNvPr id="6" name="页脚占位符 5">
             <a:extLst>
               <a:ext uri="{FF2B5EF4-FFF2-40B4-BE49-F238E27FC236}">
-                <a16:creationId xmlns:a16="http://schemas.microsoft.com/office/drawing/2014/main" id="{1878062B-0FA5-F5A0-513D-41F227C337CE}"/>
+                <a16:creationId xmlns:a16="http://schemas.microsoft.com/office/drawing/2014/main" id="{350B3AB8-685C-7A6D-E54A-5999C8E8B895}"/>
               </a:ext>
             </a:extLst>
           </p:cNvPr>
@@ -2411,7 +2411,7 @@
           <p:cNvPr id="7" name="灯片编号占位符 6">
             <a:extLst>
               <a:ext uri="{FF2B5EF4-FFF2-40B4-BE49-F238E27FC236}">
-                <a16:creationId xmlns:a16="http://schemas.microsoft.com/office/drawing/2014/main" id="{06475069-B0BF-DD1D-4799-606754857B44}"/>
+                <a16:creationId xmlns:a16="http://schemas.microsoft.com/office/drawing/2014/main" id="{37A56B5A-4598-56A4-DBCB-76C3A0A43FEB}"/>
               </a:ext>
             </a:extLst>
           </p:cNvPr>
@@ -2427,7 +2427,7 @@
           <a:bodyPr/>
           <a:lstStyle/>
           <a:p>
-            <a:fld id="{D05FA998-AF8B-4AC5-BFFF-12C8724EAD33}" type="slidenum">
+            <a:fld id="{E01F58F7-B911-4231-87C9-A65D02F55A21}" type="slidenum">
               <a:rPr lang="zh-CN" altLang="en-US" smtClean="0"/>
               <a:t>‹#›</a:t>
             </a:fld>
@@ -2438,7 +2438,7 @@
     </p:spTree>
     <p:extLst>
       <p:ext uri="{BB962C8B-B14F-4D97-AF65-F5344CB8AC3E}">
-        <p14:creationId xmlns:p14="http://schemas.microsoft.com/office/powerpoint/2010/main" val="1297052971"/>
+        <p14:creationId xmlns:p14="http://schemas.microsoft.com/office/powerpoint/2010/main" val="1230546468"/>
       </p:ext>
     </p:extLst>
   </p:cSld>
@@ -2470,7 +2470,7 @@
           <p:cNvPr id="2" name="标题 1">
             <a:extLst>
               <a:ext uri="{FF2B5EF4-FFF2-40B4-BE49-F238E27FC236}">
-                <a16:creationId xmlns:a16="http://schemas.microsoft.com/office/drawing/2014/main" id="{E5554180-C5AB-5D0F-61DE-583C5C0A8A73}"/>
+                <a16:creationId xmlns:a16="http://schemas.microsoft.com/office/drawing/2014/main" id="{4C5FF0F6-A68B-64EF-092D-2692A8540896}"/>
               </a:ext>
             </a:extLst>
           </p:cNvPr>
@@ -2507,7 +2507,7 @@
           <p:cNvPr id="3" name="图片占位符 2">
             <a:extLst>
               <a:ext uri="{FF2B5EF4-FFF2-40B4-BE49-F238E27FC236}">
-                <a16:creationId xmlns:a16="http://schemas.microsoft.com/office/drawing/2014/main" id="{380004C0-2B98-A447-15DE-EBF12A2C790C}"/>
+                <a16:creationId xmlns:a16="http://schemas.microsoft.com/office/drawing/2014/main" id="{A1B3E649-5235-63DC-4168-1982E00C777D}"/>
               </a:ext>
             </a:extLst>
           </p:cNvPr>
@@ -2574,7 +2574,7 @@
           <p:cNvPr id="4" name="文本占位符 3">
             <a:extLst>
               <a:ext uri="{FF2B5EF4-FFF2-40B4-BE49-F238E27FC236}">
-                <a16:creationId xmlns:a16="http://schemas.microsoft.com/office/drawing/2014/main" id="{A219785B-2E31-9FAA-17BD-6C9C5F1B622C}"/>
+                <a16:creationId xmlns:a16="http://schemas.microsoft.com/office/drawing/2014/main" id="{323352F4-877C-B5A9-CAB9-7EACE1CD303E}"/>
               </a:ext>
             </a:extLst>
           </p:cNvPr>
@@ -2645,7 +2645,7 @@
           <p:cNvPr id="5" name="日期占位符 4">
             <a:extLst>
               <a:ext uri="{FF2B5EF4-FFF2-40B4-BE49-F238E27FC236}">
-                <a16:creationId xmlns:a16="http://schemas.microsoft.com/office/drawing/2014/main" id="{3A0F5D0F-D814-44FD-FA7C-C61E24712571}"/>
+                <a16:creationId xmlns:a16="http://schemas.microsoft.com/office/drawing/2014/main" id="{B4248CDE-996F-CE89-B3A2-11950F234613}"/>
               </a:ext>
             </a:extLst>
           </p:cNvPr>
@@ -2661,7 +2661,7 @@
           <a:bodyPr/>
           <a:lstStyle/>
           <a:p>
-            <a:fld id="{02BFE9C5-73E5-4FB1-8C00-1C244DF6C89C}" type="datetimeFigureOut">
+            <a:fld id="{20197F21-C5C7-4292-A5F1-8EC23252B8C6}" type="datetimeFigureOut">
               <a:rPr lang="zh-CN" altLang="en-US" smtClean="0"/>
               <a:t>2024/3/10</a:t>
             </a:fld>
@@ -2674,7 +2674,7 @@
           <p:cNvPr id="6" name="页脚占位符 5">
             <a:extLst>
               <a:ext uri="{FF2B5EF4-FFF2-40B4-BE49-F238E27FC236}">
-                <a16:creationId xmlns:a16="http://schemas.microsoft.com/office/drawing/2014/main" id="{257AB503-101E-3796-AB90-887D6261F101}"/>
+                <a16:creationId xmlns:a16="http://schemas.microsoft.com/office/drawing/2014/main" id="{1B9EA225-A42A-433C-A9F5-82F3518D95D1}"/>
               </a:ext>
             </a:extLst>
           </p:cNvPr>
@@ -2699,7 +2699,7 @@
           <p:cNvPr id="7" name="灯片编号占位符 6">
             <a:extLst>
               <a:ext uri="{FF2B5EF4-FFF2-40B4-BE49-F238E27FC236}">
-                <a16:creationId xmlns:a16="http://schemas.microsoft.com/office/drawing/2014/main" id="{BDCE877C-5FFD-6DCA-ABF5-92B2ADFEBF4D}"/>
+                <a16:creationId xmlns:a16="http://schemas.microsoft.com/office/drawing/2014/main" id="{977D06DB-7E7B-7A8A-E2E4-AB84B025E0F0}"/>
               </a:ext>
             </a:extLst>
           </p:cNvPr>
@@ -2715,7 +2715,7 @@
           <a:bodyPr/>
           <a:lstStyle/>
           <a:p>
-            <a:fld id="{D05FA998-AF8B-4AC5-BFFF-12C8724EAD33}" type="slidenum">
+            <a:fld id="{E01F58F7-B911-4231-87C9-A65D02F55A21}" type="slidenum">
               <a:rPr lang="zh-CN" altLang="en-US" smtClean="0"/>
               <a:t>‹#›</a:t>
             </a:fld>
@@ -2726,7 +2726,7 @@
     </p:spTree>
     <p:extLst>
       <p:ext uri="{BB962C8B-B14F-4D97-AF65-F5344CB8AC3E}">
-        <p14:creationId xmlns:p14="http://schemas.microsoft.com/office/powerpoint/2010/main" val="3208875125"/>
+        <p14:creationId xmlns:p14="http://schemas.microsoft.com/office/powerpoint/2010/main" val="762826738"/>
       </p:ext>
     </p:extLst>
   </p:cSld>
@@ -2763,7 +2763,7 @@
           <p:cNvPr id="2" name="标题占位符 1">
             <a:extLst>
               <a:ext uri="{FF2B5EF4-FFF2-40B4-BE49-F238E27FC236}">
-                <a16:creationId xmlns:a16="http://schemas.microsoft.com/office/drawing/2014/main" id="{22207678-A0D6-61D3-E15D-58A6F9964214}"/>
+                <a16:creationId xmlns:a16="http://schemas.microsoft.com/office/drawing/2014/main" id="{DE57F858-9006-2807-81E2-C595F23EB13A}"/>
               </a:ext>
             </a:extLst>
           </p:cNvPr>
@@ -2801,7 +2801,7 @@
           <p:cNvPr id="3" name="文本占位符 2">
             <a:extLst>
               <a:ext uri="{FF2B5EF4-FFF2-40B4-BE49-F238E27FC236}">
-                <a16:creationId xmlns:a16="http://schemas.microsoft.com/office/drawing/2014/main" id="{D849A599-7B3D-2F1C-D844-9B9D4BA6AE02}"/>
+                <a16:creationId xmlns:a16="http://schemas.microsoft.com/office/drawing/2014/main" id="{5832B8D3-B3D5-AA24-A3F8-0FA945941FA5}"/>
               </a:ext>
             </a:extLst>
           </p:cNvPr>
@@ -2868,7 +2868,7 @@
           <p:cNvPr id="4" name="日期占位符 3">
             <a:extLst>
               <a:ext uri="{FF2B5EF4-FFF2-40B4-BE49-F238E27FC236}">
-                <a16:creationId xmlns:a16="http://schemas.microsoft.com/office/drawing/2014/main" id="{741919BD-62EE-DEB9-DC78-0CA780C83796}"/>
+                <a16:creationId xmlns:a16="http://schemas.microsoft.com/office/drawing/2014/main" id="{0472489E-C27C-23E6-812D-F0B3ED0364D9}"/>
               </a:ext>
             </a:extLst>
           </p:cNvPr>
@@ -2902,7 +2902,7 @@
             </a:lvl1pPr>
           </a:lstStyle>
           <a:p>
-            <a:fld id="{02BFE9C5-73E5-4FB1-8C00-1C244DF6C89C}" type="datetimeFigureOut">
+            <a:fld id="{20197F21-C5C7-4292-A5F1-8EC23252B8C6}" type="datetimeFigureOut">
               <a:rPr lang="zh-CN" altLang="en-US" smtClean="0"/>
               <a:t>2024/3/10</a:t>
             </a:fld>
@@ -2915,7 +2915,7 @@
           <p:cNvPr id="5" name="页脚占位符 4">
             <a:extLst>
               <a:ext uri="{FF2B5EF4-FFF2-40B4-BE49-F238E27FC236}">
-                <a16:creationId xmlns:a16="http://schemas.microsoft.com/office/drawing/2014/main" id="{D121C9F3-CE71-5DAC-11F9-660EC129507A}"/>
+                <a16:creationId xmlns:a16="http://schemas.microsoft.com/office/drawing/2014/main" id="{75C396B3-BA57-14E6-B959-04FA0198CD9D}"/>
               </a:ext>
             </a:extLst>
           </p:cNvPr>
@@ -2958,7 +2958,7 @@
           <p:cNvPr id="6" name="灯片编号占位符 5">
             <a:extLst>
               <a:ext uri="{FF2B5EF4-FFF2-40B4-BE49-F238E27FC236}">
-                <a16:creationId xmlns:a16="http://schemas.microsoft.com/office/drawing/2014/main" id="{0124A8C0-AEDC-ADD1-FAAA-DD8A81BDE6BB}"/>
+                <a16:creationId xmlns:a16="http://schemas.microsoft.com/office/drawing/2014/main" id="{81D76BE3-1D78-EB26-F3F4-2F3039CA2661}"/>
               </a:ext>
             </a:extLst>
           </p:cNvPr>
@@ -2992,7 +2992,7 @@
             </a:lvl1pPr>
           </a:lstStyle>
           <a:p>
-            <a:fld id="{D05FA998-AF8B-4AC5-BFFF-12C8724EAD33}" type="slidenum">
+            <a:fld id="{E01F58F7-B911-4231-87C9-A65D02F55A21}" type="slidenum">
               <a:rPr lang="zh-CN" altLang="en-US" smtClean="0"/>
               <a:t>‹#›</a:t>
             </a:fld>
@@ -3003,7 +3003,7 @@
     </p:spTree>
     <p:extLst>
       <p:ext uri="{BB962C8B-B14F-4D97-AF65-F5344CB8AC3E}">
-        <p14:creationId xmlns:p14="http://schemas.microsoft.com/office/powerpoint/2010/main" val="3961875507"/>
+        <p14:creationId xmlns:p14="http://schemas.microsoft.com/office/powerpoint/2010/main" val="1113139439"/>
       </p:ext>
     </p:extLst>
   </p:cSld>
